--- a/AngularJS/lesson_12/Presentation/Controllers_scope.pptx
+++ b/AngularJS/lesson_12/Presentation/Controllers_scope.pptx
@@ -213,7 +213,7 @@
           <a:p>
             <a:fld id="{C9E99101-A32B-4AA8-A926-4B284BBBD12A}" type="datetimeFigureOut">
               <a:rPr lang="uk-UA" smtClean="0"/>
-              <a:t>10.08.2016</a:t>
+              <a:t>11.04.2017</a:t>
             </a:fld>
             <a:endParaRPr lang="uk-UA"/>
           </a:p>
@@ -2904,7 +2904,7 @@
               <a:rPr lang="ru-RU" dirty="0">
                 <a:latin typeface="Calibri" pitchFamily="34" charset="0"/>
               </a:rPr>
-              <a:t>•Содержать логику инициализирующую </a:t>
+              <a:t>• Содержать логику инициализирующую </a:t>
             </a:r>
             <a:r>
               <a:rPr lang="ru-RU" dirty="0" err="1">
@@ -2924,7 +2924,7 @@
               <a:rPr lang="ru-RU" dirty="0">
                 <a:latin typeface="Calibri" pitchFamily="34" charset="0"/>
               </a:rPr>
-              <a:t>•Содержать логику/</a:t>
+              <a:t>• Содержать логику/</a:t>
             </a:r>
             <a:r>
               <a:rPr lang="ru-RU" dirty="0" err="1">
@@ -2944,7 +2944,7 @@
               <a:rPr lang="ru-RU" dirty="0">
                 <a:latin typeface="Calibri" pitchFamily="34" charset="0"/>
               </a:rPr>
-              <a:t>•Содержать логику/</a:t>
+              <a:t>• Содержать логику/</a:t>
             </a:r>
             <a:r>
               <a:rPr lang="ru-RU" dirty="0" err="1">
@@ -2989,7 +2989,7 @@
               <a:rPr lang="ru-RU" dirty="0">
                 <a:latin typeface="Calibri" pitchFamily="34" charset="0"/>
               </a:rPr>
-              <a:t>•Содержать логику, которая манипулирует DOM</a:t>
+              <a:t>• Содержать логику, которая манипулирует DOM</a:t>
             </a:r>
           </a:p>
           <a:p>
@@ -2997,7 +2997,7 @@
               <a:rPr lang="ru-RU" dirty="0">
                 <a:latin typeface="Calibri" pitchFamily="34" charset="0"/>
               </a:rPr>
-              <a:t>•Содержать логику, которая управляет сохранением данных (это задача модели)</a:t>
+              <a:t>• Содержать логику, которая управляет сохранением данных (это задача модели)</a:t>
             </a:r>
           </a:p>
         </p:txBody>
@@ -3091,7 +3091,7 @@
         <p:spPr>
           <a:xfrm>
             <a:off x="683568" y="1412776"/>
-            <a:ext cx="7992888" cy="2308324"/>
+            <a:ext cx="7992888" cy="1754326"/>
           </a:xfrm>
           <a:prstGeom prst="rect">
             <a:avLst/>
@@ -3117,10 +3117,28 @@
               <a:t>cope</a:t>
             </a:r>
             <a:r>
+              <a:rPr lang="en-US" b="1" dirty="0">
+                <a:latin typeface="Calibri" pitchFamily="34" charset="0"/>
+              </a:rPr>
+              <a:t> </a:t>
+            </a:r>
+            <a:r>
               <a:rPr lang="ru-RU" dirty="0">
                 <a:latin typeface="Calibri" pitchFamily="34" charset="0"/>
               </a:rPr>
-              <a:t>–объект, который позволяет связать пользовательский интерфейс с контроллером.</a:t>
+              <a:t>–</a:t>
+            </a:r>
+            <a:r>
+              <a:rPr lang="en-US" dirty="0">
+                <a:latin typeface="Calibri" pitchFamily="34" charset="0"/>
+              </a:rPr>
+              <a:t> </a:t>
+            </a:r>
+            <a:r>
+              <a:rPr lang="ru-RU" dirty="0">
+                <a:latin typeface="Calibri" pitchFamily="34" charset="0"/>
+              </a:rPr>
+              <a:t>объект, который позволяет связать пользовательский интерфейс с контроллером.</a:t>
             </a:r>
             <a:r>
               <a:rPr lang="en-US" dirty="0">
@@ -3136,7 +3154,7 @@
           </a:p>
           <a:p>
             <a:r>
-              <a:rPr lang="ru-RU" dirty="0" err="1">
+              <a:rPr lang="ru-RU" b="1" dirty="0" err="1">
                 <a:latin typeface="Calibri" pitchFamily="34" charset="0"/>
               </a:rPr>
               <a:t>Scope</a:t>
@@ -3165,22 +3183,6 @@
               </a:rPr>
               <a:t>. Дочерние элементы формируются на основе созданных контроллеров в соответствии с размещением в DOM дереве.</a:t>
             </a:r>
-            <a:r>
-              <a:rPr lang="en-US" dirty="0">
-                <a:latin typeface="Calibri" pitchFamily="34" charset="0"/>
-              </a:rPr>
-              <a:t> </a:t>
-            </a:r>
-          </a:p>
-          <a:p>
-            <a:endParaRPr lang="en-US" dirty="0">
-              <a:latin typeface="Calibri" pitchFamily="34" charset="0"/>
-            </a:endParaRPr>
-          </a:p>
-          <a:p>
-            <a:endParaRPr lang="ru-RU" dirty="0">
-              <a:latin typeface="Calibri" pitchFamily="34" charset="0"/>
-            </a:endParaRPr>
           </a:p>
         </p:txBody>
       </p:sp>
